--- a/Présentation_ue4_Jouffroy_hamaili.pptx
+++ b/Présentation_ue4_Jouffroy_hamaili.pptx
@@ -13,7 +13,8 @@
     <p:sldId id="261" r:id="rId7"/>
     <p:sldId id="262" r:id="rId8"/>
     <p:sldId id="263" r:id="rId9"/>
-    <p:sldId id="264" r:id="rId10"/>
+    <p:sldId id="265" r:id="rId10"/>
+    <p:sldId id="264" r:id="rId11"/>
   </p:sldIdLst>
   <p:sldSz cx="9144000" cy="6858000" type="screen4x3"/>
   <p:notesSz cx="6858000" cy="9144000"/>
@@ -112,6 +113,11 @@
       </a:defRPr>
     </a:lvl9pPr>
   </p:defaultTextStyle>
+  <p:extLst>
+    <p:ext uri="{EFAFB233-063F-42B5-8137-9DF3F51BA10A}">
+      <p15:sldGuideLst xmlns:p15="http://schemas.microsoft.com/office/powerpoint/2012/main"/>
+    </p:ext>
+  </p:extLst>
 </p:presentation>
 </file>
 
@@ -246,7 +252,7 @@
           <a:p>
             <a:fld id="{3A150B7A-20F6-433B-8002-36CE9FE39EFB}" type="datetimeFigureOut">
               <a:rPr lang="fr-FR" smtClean="0"/>
-              <a:t>07/01/2019</a:t>
+              <a:t>10/01/2019</a:t>
             </a:fld>
             <a:endParaRPr lang="fr-FR"/>
           </a:p>
@@ -416,7 +422,7 @@
           <a:p>
             <a:fld id="{3A150B7A-20F6-433B-8002-36CE9FE39EFB}" type="datetimeFigureOut">
               <a:rPr lang="fr-FR" smtClean="0"/>
-              <a:t>07/01/2019</a:t>
+              <a:t>10/01/2019</a:t>
             </a:fld>
             <a:endParaRPr lang="fr-FR"/>
           </a:p>
@@ -596,7 +602,7 @@
           <a:p>
             <a:fld id="{3A150B7A-20F6-433B-8002-36CE9FE39EFB}" type="datetimeFigureOut">
               <a:rPr lang="fr-FR" smtClean="0"/>
-              <a:t>07/01/2019</a:t>
+              <a:t>10/01/2019</a:t>
             </a:fld>
             <a:endParaRPr lang="fr-FR"/>
           </a:p>
@@ -766,7 +772,7 @@
           <a:p>
             <a:fld id="{3A150B7A-20F6-433B-8002-36CE9FE39EFB}" type="datetimeFigureOut">
               <a:rPr lang="fr-FR" smtClean="0"/>
-              <a:t>07/01/2019</a:t>
+              <a:t>10/01/2019</a:t>
             </a:fld>
             <a:endParaRPr lang="fr-FR"/>
           </a:p>
@@ -1010,7 +1016,7 @@
           <a:p>
             <a:fld id="{3A150B7A-20F6-433B-8002-36CE9FE39EFB}" type="datetimeFigureOut">
               <a:rPr lang="fr-FR" smtClean="0"/>
-              <a:t>07/01/2019</a:t>
+              <a:t>10/01/2019</a:t>
             </a:fld>
             <a:endParaRPr lang="fr-FR"/>
           </a:p>
@@ -1242,7 +1248,7 @@
           <a:p>
             <a:fld id="{3A150B7A-20F6-433B-8002-36CE9FE39EFB}" type="datetimeFigureOut">
               <a:rPr lang="fr-FR" smtClean="0"/>
-              <a:t>07/01/2019</a:t>
+              <a:t>10/01/2019</a:t>
             </a:fld>
             <a:endParaRPr lang="fr-FR"/>
           </a:p>
@@ -1609,7 +1615,7 @@
           <a:p>
             <a:fld id="{3A150B7A-20F6-433B-8002-36CE9FE39EFB}" type="datetimeFigureOut">
               <a:rPr lang="fr-FR" smtClean="0"/>
-              <a:t>07/01/2019</a:t>
+              <a:t>10/01/2019</a:t>
             </a:fld>
             <a:endParaRPr lang="fr-FR"/>
           </a:p>
@@ -1727,7 +1733,7 @@
           <a:p>
             <a:fld id="{3A150B7A-20F6-433B-8002-36CE9FE39EFB}" type="datetimeFigureOut">
               <a:rPr lang="fr-FR" smtClean="0"/>
-              <a:t>07/01/2019</a:t>
+              <a:t>10/01/2019</a:t>
             </a:fld>
             <a:endParaRPr lang="fr-FR"/>
           </a:p>
@@ -1822,7 +1828,7 @@
           <a:p>
             <a:fld id="{3A150B7A-20F6-433B-8002-36CE9FE39EFB}" type="datetimeFigureOut">
               <a:rPr lang="fr-FR" smtClean="0"/>
-              <a:t>07/01/2019</a:t>
+              <a:t>10/01/2019</a:t>
             </a:fld>
             <a:endParaRPr lang="fr-FR"/>
           </a:p>
@@ -2099,7 +2105,7 @@
           <a:p>
             <a:fld id="{3A150B7A-20F6-433B-8002-36CE9FE39EFB}" type="datetimeFigureOut">
               <a:rPr lang="fr-FR" smtClean="0"/>
-              <a:t>07/01/2019</a:t>
+              <a:t>10/01/2019</a:t>
             </a:fld>
             <a:endParaRPr lang="fr-FR"/>
           </a:p>
@@ -2356,7 +2362,7 @@
           <a:p>
             <a:fld id="{3A150B7A-20F6-433B-8002-36CE9FE39EFB}" type="datetimeFigureOut">
               <a:rPr lang="fr-FR" smtClean="0"/>
-              <a:t>07/01/2019</a:t>
+              <a:t>10/01/2019</a:t>
             </a:fld>
             <a:endParaRPr lang="fr-FR"/>
           </a:p>
@@ -2569,7 +2575,7 @@
           <a:p>
             <a:fld id="{3A150B7A-20F6-433B-8002-36CE9FE39EFB}" type="datetimeFigureOut">
               <a:rPr lang="fr-FR" smtClean="0"/>
-              <a:t>07/01/2019</a:t>
+              <a:t>10/01/2019</a:t>
             </a:fld>
             <a:endParaRPr lang="fr-FR"/>
           </a:p>
@@ -2976,28 +2982,28 @@
       </p:grpSpPr>
       <p:pic>
         <p:nvPicPr>
-          <p:cNvPr id="5" name="Image 4">
-            <a:extLst>
-              <a:ext uri="{FF2B5EF4-FFF2-40B4-BE49-F238E27FC236}">
-                <a16:creationId xmlns:a16="http://schemas.microsoft.com/office/drawing/2014/main" id="{3FCF6373-74A6-40E7-8113-D46F3A15E182}"/>
-              </a:ext>
-            </a:extLst>
-          </p:cNvPr>
+          <p:cNvPr id="2" name="Image 1"/>
           <p:cNvPicPr>
             <a:picLocks noChangeAspect="1"/>
           </p:cNvPicPr>
           <p:nvPr/>
         </p:nvPicPr>
         <p:blipFill>
-          <a:blip r:embed="rId2"/>
+          <a:blip r:embed="rId2">
+            <a:extLst>
+              <a:ext uri="{28A0092B-C50C-407E-A947-70E740481C1C}">
+                <a14:useLocalDpi xmlns:a14="http://schemas.microsoft.com/office/drawing/2010/main" val="0"/>
+              </a:ext>
+            </a:extLst>
+          </a:blip>
           <a:stretch>
             <a:fillRect/>
           </a:stretch>
         </p:blipFill>
         <p:spPr>
           <a:xfrm>
-            <a:off x="1900237" y="1519237"/>
-            <a:ext cx="5343525" cy="3819525"/>
+            <a:off x="582584" y="529338"/>
+            <a:ext cx="7978831" cy="5799323"/>
           </a:xfrm>
           <a:prstGeom prst="rect">
             <a:avLst/>
@@ -3008,6 +3014,98 @@
     <p:extLst>
       <p:ext uri="{BB962C8B-B14F-4D97-AF65-F5344CB8AC3E}">
         <p14:creationId xmlns:p14="http://schemas.microsoft.com/office/powerpoint/2010/main" val="3154835571"/>
+      </p:ext>
+    </p:extLst>
+  </p:cSld>
+  <p:clrMapOvr>
+    <a:masterClrMapping/>
+  </p:clrMapOvr>
+</p:sld>
+</file>
+
+<file path=ppt/slides/slide10.xml><?xml version="1.0" encoding="utf-8"?>
+<p:sld xmlns:a="http://schemas.openxmlformats.org/drawingml/2006/main" xmlns:r="http://schemas.openxmlformats.org/officeDocument/2006/relationships" xmlns:p="http://schemas.openxmlformats.org/presentationml/2006/main">
+  <p:cSld>
+    <p:spTree>
+      <p:nvGrpSpPr>
+        <p:cNvPr id="1" name=""/>
+        <p:cNvGrpSpPr/>
+        <p:nvPr/>
+      </p:nvGrpSpPr>
+      <p:grpSpPr>
+        <a:xfrm>
+          <a:off x="0" y="0"/>
+          <a:ext cx="0" cy="0"/>
+          <a:chOff x="0" y="0"/>
+          <a:chExt cx="0" cy="0"/>
+        </a:xfrm>
+      </p:grpSpPr>
+      <p:sp>
+        <p:nvSpPr>
+          <p:cNvPr id="2" name="Titre 1">
+            <a:extLst>
+              <a:ext uri="{FF2B5EF4-FFF2-40B4-BE49-F238E27FC236}">
+                <a16:creationId xmlns:a16="http://schemas.microsoft.com/office/drawing/2014/main" xmlns="" id="{2F1F3E06-87CE-4FDB-B824-F622F2DECAB4}"/>
+              </a:ext>
+            </a:extLst>
+          </p:cNvPr>
+          <p:cNvSpPr>
+            <a:spLocks noGrp="1"/>
+          </p:cNvSpPr>
+          <p:nvPr>
+            <p:ph type="title"/>
+          </p:nvPr>
+        </p:nvSpPr>
+        <p:spPr>
+          <a:xfrm>
+            <a:off x="623888" y="718427"/>
+            <a:ext cx="7886700" cy="2852737"/>
+          </a:xfrm>
+        </p:spPr>
+        <p:txBody>
+          <a:bodyPr/>
+          <a:lstStyle/>
+          <a:p>
+            <a:r>
+              <a:rPr lang="fr-FR" dirty="0">
+                <a:solidFill>
+                  <a:srgbClr val="FF0000"/>
+                </a:solidFill>
+              </a:rPr>
+              <a:t>Merci de votre attention</a:t>
+            </a:r>
+          </a:p>
+        </p:txBody>
+      </p:sp>
+      <p:sp>
+        <p:nvSpPr>
+          <p:cNvPr id="3" name="Espace réservé du texte 2">
+            <a:extLst>
+              <a:ext uri="{FF2B5EF4-FFF2-40B4-BE49-F238E27FC236}">
+                <a16:creationId xmlns:a16="http://schemas.microsoft.com/office/drawing/2014/main" xmlns="" id="{A4524361-2AE0-42D1-ADF9-059B66CE6564}"/>
+              </a:ext>
+            </a:extLst>
+          </p:cNvPr>
+          <p:cNvSpPr>
+            <a:spLocks noGrp="1"/>
+          </p:cNvSpPr>
+          <p:nvPr>
+            <p:ph type="body" idx="1"/>
+          </p:nvPr>
+        </p:nvSpPr>
+        <p:spPr/>
+        <p:txBody>
+          <a:bodyPr/>
+          <a:lstStyle/>
+          <a:p>
+            <a:endParaRPr lang="fr-FR"/>
+          </a:p>
+        </p:txBody>
+      </p:sp>
+    </p:spTree>
+    <p:extLst>
+      <p:ext uri="{BB962C8B-B14F-4D97-AF65-F5344CB8AC3E}">
+        <p14:creationId xmlns:p14="http://schemas.microsoft.com/office/powerpoint/2010/main" val="2622745176"/>
       </p:ext>
     </p:extLst>
   </p:cSld>
@@ -3036,28 +3134,28 @@
       </p:grpSpPr>
       <p:pic>
         <p:nvPicPr>
-          <p:cNvPr id="3" name="Image 2">
-            <a:extLst>
-              <a:ext uri="{FF2B5EF4-FFF2-40B4-BE49-F238E27FC236}">
-                <a16:creationId xmlns:a16="http://schemas.microsoft.com/office/drawing/2014/main" id="{0998EF4D-DD75-4DB6-963C-1D356B22A0AA}"/>
-              </a:ext>
-            </a:extLst>
-          </p:cNvPr>
+          <p:cNvPr id="2" name="Image 1"/>
           <p:cNvPicPr>
             <a:picLocks noChangeAspect="1"/>
           </p:cNvPicPr>
           <p:nvPr/>
         </p:nvPicPr>
         <p:blipFill>
-          <a:blip r:embed="rId2"/>
+          <a:blip r:embed="rId2">
+            <a:extLst>
+              <a:ext uri="{28A0092B-C50C-407E-A947-70E740481C1C}">
+                <a14:useLocalDpi xmlns:a14="http://schemas.microsoft.com/office/drawing/2010/main" val="0"/>
+              </a:ext>
+            </a:extLst>
+          </a:blip>
           <a:stretch>
             <a:fillRect/>
           </a:stretch>
         </p:blipFill>
         <p:spPr>
           <a:xfrm>
-            <a:off x="0" y="353913"/>
-            <a:ext cx="9144000" cy="6150174"/>
+            <a:off x="479705" y="201650"/>
+            <a:ext cx="8184589" cy="6454699"/>
           </a:xfrm>
           <a:prstGeom prst="rect">
             <a:avLst/>
@@ -3096,28 +3194,28 @@
       </p:grpSpPr>
       <p:pic>
         <p:nvPicPr>
-          <p:cNvPr id="2" name="Image 1">
-            <a:extLst>
-              <a:ext uri="{FF2B5EF4-FFF2-40B4-BE49-F238E27FC236}">
-                <a16:creationId xmlns:a16="http://schemas.microsoft.com/office/drawing/2014/main" id="{453BD3DB-397A-481E-9985-69EC154BDC12}"/>
-              </a:ext>
-            </a:extLst>
-          </p:cNvPr>
+          <p:cNvPr id="3" name="Image 2"/>
           <p:cNvPicPr>
             <a:picLocks noChangeAspect="1"/>
           </p:cNvPicPr>
           <p:nvPr/>
         </p:nvPicPr>
         <p:blipFill>
-          <a:blip r:embed="rId2"/>
+          <a:blip r:embed="rId2">
+            <a:extLst>
+              <a:ext uri="{28A0092B-C50C-407E-A947-70E740481C1C}">
+                <a14:useLocalDpi xmlns:a14="http://schemas.microsoft.com/office/drawing/2010/main" val="0"/>
+              </a:ext>
+            </a:extLst>
+          </a:blip>
           <a:stretch>
             <a:fillRect/>
           </a:stretch>
         </p:blipFill>
         <p:spPr>
           <a:xfrm>
-            <a:off x="423432" y="0"/>
-            <a:ext cx="8297135" cy="6858000"/>
+            <a:off x="574963" y="254995"/>
+            <a:ext cx="7994073" cy="6348010"/>
           </a:xfrm>
           <a:prstGeom prst="rect">
             <a:avLst/>
@@ -3156,28 +3254,28 @@
       </p:grpSpPr>
       <p:pic>
         <p:nvPicPr>
-          <p:cNvPr id="2" name="Image 1">
-            <a:extLst>
-              <a:ext uri="{FF2B5EF4-FFF2-40B4-BE49-F238E27FC236}">
-                <a16:creationId xmlns:a16="http://schemas.microsoft.com/office/drawing/2014/main" id="{A859D4EE-CECD-4B17-8D84-023D08EEDF6E}"/>
-              </a:ext>
-            </a:extLst>
-          </p:cNvPr>
+          <p:cNvPr id="3" name="Image 2"/>
           <p:cNvPicPr>
             <a:picLocks noChangeAspect="1"/>
           </p:cNvPicPr>
           <p:nvPr/>
         </p:nvPicPr>
         <p:blipFill>
-          <a:blip r:embed="rId2"/>
+          <a:blip r:embed="rId2">
+            <a:extLst>
+              <a:ext uri="{28A0092B-C50C-407E-A947-70E740481C1C}">
+                <a14:useLocalDpi xmlns:a14="http://schemas.microsoft.com/office/drawing/2010/main" val="0"/>
+              </a:ext>
+            </a:extLst>
+          </a:blip>
           <a:stretch>
             <a:fillRect/>
           </a:stretch>
         </p:blipFill>
         <p:spPr>
           <a:xfrm>
-            <a:off x="91496" y="0"/>
-            <a:ext cx="8961007" cy="6858000"/>
+            <a:off x="513998" y="209271"/>
+            <a:ext cx="8116003" cy="6439458"/>
           </a:xfrm>
           <a:prstGeom prst="rect">
             <a:avLst/>
@@ -3216,28 +3314,28 @@
       </p:grpSpPr>
       <p:pic>
         <p:nvPicPr>
-          <p:cNvPr id="2" name="Image 1">
-            <a:extLst>
-              <a:ext uri="{FF2B5EF4-FFF2-40B4-BE49-F238E27FC236}">
-                <a16:creationId xmlns:a16="http://schemas.microsoft.com/office/drawing/2014/main" id="{A60BB957-646B-487E-BDFC-4B809F633233}"/>
-              </a:ext>
-            </a:extLst>
-          </p:cNvPr>
+          <p:cNvPr id="3" name="Image 2"/>
           <p:cNvPicPr>
             <a:picLocks noChangeAspect="1"/>
           </p:cNvPicPr>
           <p:nvPr/>
         </p:nvPicPr>
         <p:blipFill>
-          <a:blip r:embed="rId2"/>
+          <a:blip r:embed="rId2">
+            <a:extLst>
+              <a:ext uri="{28A0092B-C50C-407E-A947-70E740481C1C}">
+                <a14:useLocalDpi xmlns:a14="http://schemas.microsoft.com/office/drawing/2010/main" val="0"/>
+              </a:ext>
+            </a:extLst>
+          </a:blip>
           <a:stretch>
             <a:fillRect/>
           </a:stretch>
         </p:blipFill>
         <p:spPr>
           <a:xfrm>
-            <a:off x="232756" y="0"/>
-            <a:ext cx="8678487" cy="6858000"/>
+            <a:off x="498757" y="140685"/>
+            <a:ext cx="8146486" cy="6576630"/>
           </a:xfrm>
           <a:prstGeom prst="rect">
             <a:avLst/>
@@ -3276,28 +3374,28 @@
       </p:grpSpPr>
       <p:pic>
         <p:nvPicPr>
-          <p:cNvPr id="2" name="Image 1">
-            <a:extLst>
-              <a:ext uri="{FF2B5EF4-FFF2-40B4-BE49-F238E27FC236}">
-                <a16:creationId xmlns:a16="http://schemas.microsoft.com/office/drawing/2014/main" id="{75942D6D-B749-48C2-BA03-7128D2F990F1}"/>
-              </a:ext>
-            </a:extLst>
-          </p:cNvPr>
+          <p:cNvPr id="3" name="Image 2"/>
           <p:cNvPicPr>
             <a:picLocks noChangeAspect="1"/>
           </p:cNvPicPr>
           <p:nvPr/>
         </p:nvPicPr>
         <p:blipFill>
-          <a:blip r:embed="rId2"/>
+          <a:blip r:embed="rId2">
+            <a:extLst>
+              <a:ext uri="{28A0092B-C50C-407E-A947-70E740481C1C}">
+                <a14:useLocalDpi xmlns:a14="http://schemas.microsoft.com/office/drawing/2010/main" val="0"/>
+              </a:ext>
+            </a:extLst>
+          </a:blip>
           <a:stretch>
             <a:fillRect/>
           </a:stretch>
         </p:blipFill>
         <p:spPr>
           <a:xfrm>
-            <a:off x="419633" y="0"/>
-            <a:ext cx="8304734" cy="6858000"/>
+            <a:off x="635929" y="0"/>
+            <a:ext cx="7872142" cy="6858000"/>
           </a:xfrm>
           <a:prstGeom prst="rect">
             <a:avLst/>
@@ -3336,28 +3434,28 @@
       </p:grpSpPr>
       <p:pic>
         <p:nvPicPr>
-          <p:cNvPr id="2" name="Image 1">
-            <a:extLst>
-              <a:ext uri="{FF2B5EF4-FFF2-40B4-BE49-F238E27FC236}">
-                <a16:creationId xmlns:a16="http://schemas.microsoft.com/office/drawing/2014/main" id="{D4BFFA6E-C5D0-4856-ABF0-24B21F66B323}"/>
-              </a:ext>
-            </a:extLst>
-          </p:cNvPr>
+          <p:cNvPr id="3" name="Image 2"/>
           <p:cNvPicPr>
             <a:picLocks noChangeAspect="1"/>
           </p:cNvPicPr>
           <p:nvPr/>
         </p:nvPicPr>
         <p:blipFill>
-          <a:blip r:embed="rId2"/>
+          <a:blip r:embed="rId2">
+            <a:extLst>
+              <a:ext uri="{28A0092B-C50C-407E-A947-70E740481C1C}">
+                <a14:useLocalDpi xmlns:a14="http://schemas.microsoft.com/office/drawing/2010/main" val="0"/>
+              </a:ext>
+            </a:extLst>
+          </a:blip>
           <a:stretch>
             <a:fillRect/>
           </a:stretch>
         </p:blipFill>
         <p:spPr>
           <a:xfrm>
-            <a:off x="317424" y="0"/>
-            <a:ext cx="8509151" cy="6858000"/>
+            <a:off x="586394" y="148305"/>
+            <a:ext cx="7971211" cy="6561389"/>
           </a:xfrm>
           <a:prstGeom prst="rect">
             <a:avLst/>
@@ -3396,28 +3494,28 @@
       </p:grpSpPr>
       <p:pic>
         <p:nvPicPr>
-          <p:cNvPr id="2" name="Image 1">
-            <a:extLst>
-              <a:ext uri="{FF2B5EF4-FFF2-40B4-BE49-F238E27FC236}">
-                <a16:creationId xmlns:a16="http://schemas.microsoft.com/office/drawing/2014/main" id="{1891295A-48A1-47E3-AA4F-BBE93B63F495}"/>
-              </a:ext>
-            </a:extLst>
-          </p:cNvPr>
+          <p:cNvPr id="3" name="Image 2"/>
           <p:cNvPicPr>
             <a:picLocks noChangeAspect="1"/>
           </p:cNvPicPr>
           <p:nvPr/>
         </p:nvPicPr>
         <p:blipFill>
-          <a:blip r:embed="rId2"/>
+          <a:blip r:embed="rId2">
+            <a:extLst>
+              <a:ext uri="{28A0092B-C50C-407E-A947-70E740481C1C}">
+                <a14:useLocalDpi xmlns:a14="http://schemas.microsoft.com/office/drawing/2010/main" val="0"/>
+              </a:ext>
+            </a:extLst>
+          </a:blip>
           <a:stretch>
             <a:fillRect/>
           </a:stretch>
         </p:blipFill>
         <p:spPr>
           <a:xfrm>
-            <a:off x="176334" y="0"/>
-            <a:ext cx="8791332" cy="6858000"/>
+            <a:off x="462614" y="308513"/>
+            <a:ext cx="8184589" cy="5540220"/>
           </a:xfrm>
           <a:prstGeom prst="rect">
             <a:avLst/>
@@ -3454,67 +3552,40 @@
           <a:chExt cx="0" cy="0"/>
         </a:xfrm>
       </p:grpSpPr>
-      <p:sp>
-        <p:nvSpPr>
-          <p:cNvPr id="2" name="Titre 1">
+      <p:pic>
+        <p:nvPicPr>
+          <p:cNvPr id="2" name="Image 1"/>
+          <p:cNvPicPr>
+            <a:picLocks noChangeAspect="1"/>
+          </p:cNvPicPr>
+          <p:nvPr/>
+        </p:nvPicPr>
+        <p:blipFill>
+          <a:blip r:embed="rId2">
             <a:extLst>
-              <a:ext uri="{FF2B5EF4-FFF2-40B4-BE49-F238E27FC236}">
-                <a16:creationId xmlns:a16="http://schemas.microsoft.com/office/drawing/2014/main" id="{2F1F3E06-87CE-4FDB-B824-F622F2DECAB4}"/>
+              <a:ext uri="{28A0092B-C50C-407E-A947-70E740481C1C}">
+                <a14:useLocalDpi xmlns:a14="http://schemas.microsoft.com/office/drawing/2010/main" val="0"/>
               </a:ext>
             </a:extLst>
-          </p:cNvPr>
-          <p:cNvSpPr>
-            <a:spLocks noGrp="1"/>
-          </p:cNvSpPr>
-          <p:nvPr>
-            <p:ph type="title"/>
-          </p:nvPr>
-        </p:nvSpPr>
-        <p:spPr/>
-        <p:txBody>
-          <a:bodyPr/>
-          <a:lstStyle/>
-          <a:p>
-            <a:r>
-              <a:rPr lang="fr-FR" dirty="0"/>
-              <a:t>Merci de </a:t>
-            </a:r>
-            <a:r>
-              <a:rPr lang="fr-FR"/>
-              <a:t>votre attention</a:t>
-            </a:r>
-          </a:p>
-        </p:txBody>
-      </p:sp>
-      <p:sp>
-        <p:nvSpPr>
-          <p:cNvPr id="3" name="Espace réservé du texte 2">
-            <a:extLst>
-              <a:ext uri="{FF2B5EF4-FFF2-40B4-BE49-F238E27FC236}">
-                <a16:creationId xmlns:a16="http://schemas.microsoft.com/office/drawing/2014/main" id="{A4524361-2AE0-42D1-ADF9-059B66CE6564}"/>
-              </a:ext>
-            </a:extLst>
-          </p:cNvPr>
-          <p:cNvSpPr>
-            <a:spLocks noGrp="1"/>
-          </p:cNvSpPr>
-          <p:nvPr>
-            <p:ph type="body" idx="1"/>
-          </p:nvPr>
-        </p:nvSpPr>
-        <p:spPr/>
-        <p:txBody>
-          <a:bodyPr/>
-          <a:lstStyle/>
-          <a:p>
-            <a:endParaRPr lang="fr-FR"/>
-          </a:p>
-        </p:txBody>
-      </p:sp>
+          </a:blip>
+          <a:stretch>
+            <a:fillRect/>
+          </a:stretch>
+        </p:blipFill>
+        <p:spPr>
+          <a:xfrm>
+            <a:off x="471378" y="204551"/>
+            <a:ext cx="8047417" cy="5235394"/>
+          </a:xfrm>
+          <a:prstGeom prst="rect">
+            <a:avLst/>
+          </a:prstGeom>
+        </p:spPr>
+      </p:pic>
     </p:spTree>
     <p:extLst>
       <p:ext uri="{BB962C8B-B14F-4D97-AF65-F5344CB8AC3E}">
-        <p14:creationId xmlns:p14="http://schemas.microsoft.com/office/powerpoint/2010/main" val="2622745176"/>
+        <p14:creationId xmlns:p14="http://schemas.microsoft.com/office/powerpoint/2010/main" val="1256783681"/>
       </p:ext>
     </p:extLst>
   </p:cSld>
